--- a/lectures/training-decision-trees.pptx
+++ b/lectures/training-decision-trees.pptx
@@ -215,7 +215,7 @@
           <a:p>
             <a:fld id="{8A1B613A-EFF1-404F-BEE8-EFAE84A4E5E2}" type="datetimeFigureOut">
               <a:rPr lang="en-US" smtClean="0"/>
-              <a:t>2/16/21</a:t>
+              <a:t>10/14/21</a:t>
             </a:fld>
             <a:endParaRPr lang="en-US"/>
           </a:p>
@@ -380,7 +380,7 @@
           <a:p>
             <a:fld id="{690847EA-AC25-3D4E-89E1-FD3F6A9702B6}" type="datetimeFigureOut">
               <a:rPr lang="en-US" smtClean="0"/>
-              <a:t>2/16/21</a:t>
+              <a:t>10/14/21</a:t>
             </a:fld>
             <a:endParaRPr lang="en-US"/>
           </a:p>
@@ -794,7 +794,7 @@
           <a:p>
             <a:fld id="{BE5295ED-3BAF-1140-8495-3D368771D6B1}" type="datetimeFigureOut">
               <a:rPr lang="en-US" smtClean="0"/>
-              <a:t>2/16/21</a:t>
+              <a:t>10/14/21</a:t>
             </a:fld>
             <a:endParaRPr lang="en-US"/>
           </a:p>
@@ -992,7 +992,7 @@
           <a:p>
             <a:fld id="{BE5295ED-3BAF-1140-8495-3D368771D6B1}" type="datetimeFigureOut">
               <a:rPr lang="en-US" smtClean="0"/>
-              <a:t>2/16/21</a:t>
+              <a:t>10/14/21</a:t>
             </a:fld>
             <a:endParaRPr lang="en-US"/>
           </a:p>
@@ -1200,7 +1200,7 @@
           <a:p>
             <a:fld id="{BE5295ED-3BAF-1140-8495-3D368771D6B1}" type="datetimeFigureOut">
               <a:rPr lang="en-US" smtClean="0"/>
-              <a:t>2/16/21</a:t>
+              <a:t>10/14/21</a:t>
             </a:fld>
             <a:endParaRPr lang="en-US"/>
           </a:p>
@@ -1398,7 +1398,7 @@
           <a:p>
             <a:fld id="{BE5295ED-3BAF-1140-8495-3D368771D6B1}" type="datetimeFigureOut">
               <a:rPr lang="en-US" smtClean="0"/>
-              <a:t>2/16/21</a:t>
+              <a:t>10/14/21</a:t>
             </a:fld>
             <a:endParaRPr lang="en-US"/>
           </a:p>
@@ -1673,7 +1673,7 @@
           <a:p>
             <a:fld id="{BE5295ED-3BAF-1140-8495-3D368771D6B1}" type="datetimeFigureOut">
               <a:rPr lang="en-US" smtClean="0"/>
-              <a:t>2/16/21</a:t>
+              <a:t>10/14/21</a:t>
             </a:fld>
             <a:endParaRPr lang="en-US"/>
           </a:p>
@@ -1938,7 +1938,7 @@
           <a:p>
             <a:fld id="{BE5295ED-3BAF-1140-8495-3D368771D6B1}" type="datetimeFigureOut">
               <a:rPr lang="en-US" smtClean="0"/>
-              <a:t>2/16/21</a:t>
+              <a:t>10/14/21</a:t>
             </a:fld>
             <a:endParaRPr lang="en-US"/>
           </a:p>
@@ -2350,7 +2350,7 @@
           <a:p>
             <a:fld id="{BE5295ED-3BAF-1140-8495-3D368771D6B1}" type="datetimeFigureOut">
               <a:rPr lang="en-US" smtClean="0"/>
-              <a:t>2/16/21</a:t>
+              <a:t>10/14/21</a:t>
             </a:fld>
             <a:endParaRPr lang="en-US"/>
           </a:p>
@@ -2491,7 +2491,7 @@
           <a:p>
             <a:fld id="{BE5295ED-3BAF-1140-8495-3D368771D6B1}" type="datetimeFigureOut">
               <a:rPr lang="en-US" smtClean="0"/>
-              <a:t>2/16/21</a:t>
+              <a:t>10/14/21</a:t>
             </a:fld>
             <a:endParaRPr lang="en-US"/>
           </a:p>
@@ -2604,7 +2604,7 @@
           <a:p>
             <a:fld id="{BE5295ED-3BAF-1140-8495-3D368771D6B1}" type="datetimeFigureOut">
               <a:rPr lang="en-US" smtClean="0"/>
-              <a:t>2/16/21</a:t>
+              <a:t>10/14/21</a:t>
             </a:fld>
             <a:endParaRPr lang="en-US"/>
           </a:p>
@@ -2915,7 +2915,7 @@
           <a:p>
             <a:fld id="{BE5295ED-3BAF-1140-8495-3D368771D6B1}" type="datetimeFigureOut">
               <a:rPr lang="en-US" smtClean="0"/>
-              <a:t>2/16/21</a:t>
+              <a:t>10/14/21</a:t>
             </a:fld>
             <a:endParaRPr lang="en-US"/>
           </a:p>
@@ -3206,7 +3206,7 @@
           <a:p>
             <a:fld id="{BE5295ED-3BAF-1140-8495-3D368771D6B1}" type="datetimeFigureOut">
               <a:rPr lang="en-US" smtClean="0"/>
-              <a:t>2/16/21</a:t>
+              <a:t>10/14/21</a:t>
             </a:fld>
             <a:endParaRPr lang="en-US"/>
           </a:p>
@@ -3447,7 +3447,7 @@
           <a:p>
             <a:fld id="{BE5295ED-3BAF-1140-8495-3D368771D6B1}" type="datetimeFigureOut">
               <a:rPr lang="en-US" smtClean="0"/>
-              <a:t>2/16/21</a:t>
+              <a:t>10/14/21</a:t>
             </a:fld>
             <a:endParaRPr lang="en-US"/>
           </a:p>
@@ -4310,7 +4310,12 @@
                 <p:ph idx="1"/>
               </p:nvPr>
             </p:nvSpPr>
-            <p:spPr/>
+            <p:spPr>
+              <a:xfrm>
+                <a:off x="838200" y="1825625"/>
+                <a:ext cx="11119338" cy="4351338"/>
+              </a:xfrm>
+            </p:spPr>
             <p:txBody>
               <a:bodyPr>
                 <a:normAutofit/>
@@ -4377,7 +4382,7 @@
                 </a:r>
                 <a:r>
                   <a:rPr lang="en-US" dirty="0"/>
-                  <a:t> that test a single feature and feature value at a time</a:t>
+                  <a:t> that test single a record’s feature and feature value at a time</a:t>
                 </a:r>
               </a:p>
               <a:p>
@@ -4395,7 +4400,7 @@
               <a:p>
                 <a:r>
                   <a:rPr lang="en-US" dirty="0"/>
-                  <a:t>Hypervolume described by conditionals on path from root to leaf</a:t>
+                  <a:t>A hypervolume is described by conditionals on path from root to leaf</a:t>
                 </a:r>
               </a:p>
               <a:p>
@@ -4419,10 +4424,14 @@
               </p:nvPr>
             </p:nvSpPr>
             <p:spPr>
+              <a:xfrm>
+                <a:off x="838200" y="1825625"/>
+                <a:ext cx="11119338" cy="4351338"/>
+              </a:xfrm>
               <a:blipFill>
                 <a:blip r:embed="rId2"/>
                 <a:stretch>
-                  <a:fillRect l="-1086" t="-2326" r="-965"/>
+                  <a:fillRect l="-1027" t="-2326" r="-1027"/>
                 </a:stretch>
               </a:blipFill>
             </p:spPr>

--- a/lectures/training-decision-trees.pptx
+++ b/lectures/training-decision-trees.pptx
@@ -215,7 +215,7 @@
           <a:p>
             <a:fld id="{8A1B613A-EFF1-404F-BEE8-EFAE84A4E5E2}" type="datetimeFigureOut">
               <a:rPr lang="en-US" smtClean="0"/>
-              <a:t>10/14/21</a:t>
+              <a:t>11/10/21</a:t>
             </a:fld>
             <a:endParaRPr lang="en-US"/>
           </a:p>
@@ -380,7 +380,7 @@
           <a:p>
             <a:fld id="{690847EA-AC25-3D4E-89E1-FD3F6A9702B6}" type="datetimeFigureOut">
               <a:rPr lang="en-US" smtClean="0"/>
-              <a:t>10/14/21</a:t>
+              <a:t>11/10/21</a:t>
             </a:fld>
             <a:endParaRPr lang="en-US"/>
           </a:p>
@@ -794,7 +794,7 @@
           <a:p>
             <a:fld id="{BE5295ED-3BAF-1140-8495-3D368771D6B1}" type="datetimeFigureOut">
               <a:rPr lang="en-US" smtClean="0"/>
-              <a:t>10/14/21</a:t>
+              <a:t>11/10/21</a:t>
             </a:fld>
             <a:endParaRPr lang="en-US"/>
           </a:p>
@@ -992,7 +992,7 @@
           <a:p>
             <a:fld id="{BE5295ED-3BAF-1140-8495-3D368771D6B1}" type="datetimeFigureOut">
               <a:rPr lang="en-US" smtClean="0"/>
-              <a:t>10/14/21</a:t>
+              <a:t>11/10/21</a:t>
             </a:fld>
             <a:endParaRPr lang="en-US"/>
           </a:p>
@@ -1200,7 +1200,7 @@
           <a:p>
             <a:fld id="{BE5295ED-3BAF-1140-8495-3D368771D6B1}" type="datetimeFigureOut">
               <a:rPr lang="en-US" smtClean="0"/>
-              <a:t>10/14/21</a:t>
+              <a:t>11/10/21</a:t>
             </a:fld>
             <a:endParaRPr lang="en-US"/>
           </a:p>
@@ -1398,7 +1398,7 @@
           <a:p>
             <a:fld id="{BE5295ED-3BAF-1140-8495-3D368771D6B1}" type="datetimeFigureOut">
               <a:rPr lang="en-US" smtClean="0"/>
-              <a:t>10/14/21</a:t>
+              <a:t>11/10/21</a:t>
             </a:fld>
             <a:endParaRPr lang="en-US"/>
           </a:p>
@@ -1673,7 +1673,7 @@
           <a:p>
             <a:fld id="{BE5295ED-3BAF-1140-8495-3D368771D6B1}" type="datetimeFigureOut">
               <a:rPr lang="en-US" smtClean="0"/>
-              <a:t>10/14/21</a:t>
+              <a:t>11/10/21</a:t>
             </a:fld>
             <a:endParaRPr lang="en-US"/>
           </a:p>
@@ -1938,7 +1938,7 @@
           <a:p>
             <a:fld id="{BE5295ED-3BAF-1140-8495-3D368771D6B1}" type="datetimeFigureOut">
               <a:rPr lang="en-US" smtClean="0"/>
-              <a:t>10/14/21</a:t>
+              <a:t>11/10/21</a:t>
             </a:fld>
             <a:endParaRPr lang="en-US"/>
           </a:p>
@@ -2350,7 +2350,7 @@
           <a:p>
             <a:fld id="{BE5295ED-3BAF-1140-8495-3D368771D6B1}" type="datetimeFigureOut">
               <a:rPr lang="en-US" smtClean="0"/>
-              <a:t>10/14/21</a:t>
+              <a:t>11/10/21</a:t>
             </a:fld>
             <a:endParaRPr lang="en-US"/>
           </a:p>
@@ -2491,7 +2491,7 @@
           <a:p>
             <a:fld id="{BE5295ED-3BAF-1140-8495-3D368771D6B1}" type="datetimeFigureOut">
               <a:rPr lang="en-US" smtClean="0"/>
-              <a:t>10/14/21</a:t>
+              <a:t>11/10/21</a:t>
             </a:fld>
             <a:endParaRPr lang="en-US"/>
           </a:p>
@@ -2604,7 +2604,7 @@
           <a:p>
             <a:fld id="{BE5295ED-3BAF-1140-8495-3D368771D6B1}" type="datetimeFigureOut">
               <a:rPr lang="en-US" smtClean="0"/>
-              <a:t>10/14/21</a:t>
+              <a:t>11/10/21</a:t>
             </a:fld>
             <a:endParaRPr lang="en-US"/>
           </a:p>
@@ -2915,7 +2915,7 @@
           <a:p>
             <a:fld id="{BE5295ED-3BAF-1140-8495-3D368771D6B1}" type="datetimeFigureOut">
               <a:rPr lang="en-US" smtClean="0"/>
-              <a:t>10/14/21</a:t>
+              <a:t>11/10/21</a:t>
             </a:fld>
             <a:endParaRPr lang="en-US"/>
           </a:p>
@@ -3206,7 +3206,7 @@
           <a:p>
             <a:fld id="{BE5295ED-3BAF-1140-8495-3D368771D6B1}" type="datetimeFigureOut">
               <a:rPr lang="en-US" smtClean="0"/>
-              <a:t>10/14/21</a:t>
+              <a:t>11/10/21</a:t>
             </a:fld>
             <a:endParaRPr lang="en-US"/>
           </a:p>
@@ -3447,7 +3447,7 @@
           <a:p>
             <a:fld id="{BE5295ED-3BAF-1140-8495-3D368771D6B1}" type="datetimeFigureOut">
               <a:rPr lang="en-US" smtClean="0"/>
-              <a:t>10/14/21</a:t>
+              <a:t>11/10/21</a:t>
             </a:fld>
             <a:endParaRPr lang="en-US"/>
           </a:p>
@@ -4112,8 +4112,8 @@
           </a:extLst>
         </p:spPr>
       </p:pic>
-      <mc:AlternateContent xmlns:mc="http://schemas.openxmlformats.org/markup-compatibility/2006" xmlns:a14="http://schemas.microsoft.com/office/drawing/2010/main">
-        <mc:Choice Requires="a14">
+      <mc:AlternateContent xmlns:mc="http://schemas.openxmlformats.org/markup-compatibility/2006">
+        <mc:Choice xmlns:a14="http://schemas.microsoft.com/office/drawing/2010/main" Requires="a14">
           <p:sp>
             <p:nvSpPr>
               <p:cNvPr id="5" name="TextBox 4">
@@ -4144,12 +4144,24 @@
               <a:p>
                 <a14:m>
                   <m:oMath xmlns:m="http://schemas.openxmlformats.org/officeDocument/2006/math">
-                    <m:r>
-                      <a:rPr lang="en-US" sz="2200" i="1" dirty="0" smtClean="0">
-                        <a:latin typeface="Cambria Math" panose="02040503050406030204" pitchFamily="18" charset="0"/>
-                      </a:rPr>
-                      <m:t>𝑦</m:t>
-                    </m:r>
+                    <m:acc>
+                      <m:accPr>
+                        <m:chr m:val="⃗"/>
+                        <m:ctrlPr>
+                          <a:rPr lang="en-US" sz="2200" i="1" dirty="0" smtClean="0">
+                            <a:latin typeface="Cambria Math" panose="02040503050406030204" pitchFamily="18" charset="0"/>
+                          </a:rPr>
+                        </m:ctrlPr>
+                      </m:accPr>
+                      <m:e>
+                        <m:r>
+                          <a:rPr lang="en-US" sz="2200" b="0" i="1" dirty="0" smtClean="0">
+                            <a:latin typeface="Cambria Math" panose="02040503050406030204" pitchFamily="18" charset="0"/>
+                          </a:rPr>
+                          <m:t>𝑦</m:t>
+                        </m:r>
+                      </m:e>
+                    </m:acc>
                   </m:oMath>
                 </a14:m>
                 <a:r>
@@ -4160,7 +4172,7 @@
             </p:txBody>
           </p:sp>
         </mc:Choice>
-        <mc:Fallback xmlns="">
+        <mc:Fallback>
           <p:sp>
             <p:nvSpPr>
               <p:cNvPr id="5" name="TextBox 4">
@@ -4186,7 +4198,7 @@
               <a:blipFill>
                 <a:blip r:embed="rId3"/>
                 <a:stretch>
-                  <a:fillRect l="-465" t="-8333" r="-1860" b="-22222"/>
+                  <a:fillRect l="-465" t="-11111" r="-1860" b="-22222"/>
                 </a:stretch>
               </a:blipFill>
             </p:spPr>
@@ -4298,8 +4310,8 @@
           </a:p>
         </p:txBody>
       </p:sp>
-      <mc:AlternateContent xmlns:mc="http://schemas.openxmlformats.org/markup-compatibility/2006">
-        <mc:Choice xmlns:a14="http://schemas.microsoft.com/office/drawing/2010/main" Requires="a14">
+      <mc:AlternateContent xmlns:mc="http://schemas.openxmlformats.org/markup-compatibility/2006" xmlns:a14="http://schemas.microsoft.com/office/drawing/2010/main">
+        <mc:Choice Requires="a14">
           <p:sp>
             <p:nvSpPr>
               <p:cNvPr id="3" name="Content Placeholder 2"/>
@@ -4412,7 +4424,7 @@
             </p:txBody>
           </p:sp>
         </mc:Choice>
-        <mc:Fallback>
+        <mc:Fallback xmlns="">
           <p:sp>
             <p:nvSpPr>
               <p:cNvPr id="3" name="Content Placeholder 2"/>
@@ -6244,10 +6256,10 @@
       </mc:AlternateContent>
       <p:pic>
         <p:nvPicPr>
-          <p:cNvPr id="4" name="Picture 3">
-            <a:extLst>
-              <a:ext uri="{FF2B5EF4-FFF2-40B4-BE49-F238E27FC236}">
-                <a16:creationId xmlns:a16="http://schemas.microsoft.com/office/drawing/2014/main" id="{10EB2CF9-DFA0-314B-8995-7A419AF8D0BF}"/>
+          <p:cNvPr id="6" name="Picture 5">
+            <a:extLst>
+              <a:ext uri="{FF2B5EF4-FFF2-40B4-BE49-F238E27FC236}">
+                <a16:creationId xmlns:a16="http://schemas.microsoft.com/office/drawing/2014/main" id="{C768D0B6-041C-8744-BA8B-2D11A4DC48B2}"/>
               </a:ext>
             </a:extLst>
           </p:cNvPr>
@@ -6264,8 +6276,8 @@
         </p:blipFill>
         <p:spPr>
           <a:xfrm>
-            <a:off x="9238656" y="2564825"/>
-            <a:ext cx="2953344" cy="1795499"/>
+            <a:off x="8945282" y="2715185"/>
+            <a:ext cx="3038385" cy="1191185"/>
           </a:xfrm>
           <a:prstGeom prst="rect">
             <a:avLst/>
